--- a/docs/diagrams/UiComponentClassDiagram.pptx
+++ b/docs/diagrams/UiComponentClassDiagram.pptx
@@ -208,7 +208,7 @@
           <a:p>
             <a:fld id="{F5CC4B3F-88C1-4FFA-B1B6-F41C21DC6924}" type="datetimeFigureOut">
               <a:rPr lang="en-US" smtClean="0"/>
-              <a:t>1/7/2017</a:t>
+              <a:t>10/18/2018</a:t>
             </a:fld>
             <a:endParaRPr lang="en-US"/>
           </a:p>
@@ -654,7 +654,7 @@
           <a:p>
             <a:fld id="{78C97017-6FC3-485B-9764-EAC9E56C1D49}" type="datetimeFigureOut">
               <a:rPr lang="en-US" smtClean="0"/>
-              <a:t>1/7/2017</a:t>
+              <a:t>10/18/2018</a:t>
             </a:fld>
             <a:endParaRPr lang="en-US"/>
           </a:p>
@@ -822,7 +822,7 @@
           <a:p>
             <a:fld id="{78C97017-6FC3-485B-9764-EAC9E56C1D49}" type="datetimeFigureOut">
               <a:rPr lang="en-US" smtClean="0"/>
-              <a:t>1/7/2017</a:t>
+              <a:t>10/18/2018</a:t>
             </a:fld>
             <a:endParaRPr lang="en-US"/>
           </a:p>
@@ -1000,7 +1000,7 @@
           <a:p>
             <a:fld id="{78C97017-6FC3-485B-9764-EAC9E56C1D49}" type="datetimeFigureOut">
               <a:rPr lang="en-US" smtClean="0"/>
-              <a:t>1/7/2017</a:t>
+              <a:t>10/18/2018</a:t>
             </a:fld>
             <a:endParaRPr lang="en-US"/>
           </a:p>
@@ -1168,7 +1168,7 @@
           <a:p>
             <a:fld id="{78C97017-6FC3-485B-9764-EAC9E56C1D49}" type="datetimeFigureOut">
               <a:rPr lang="en-US" smtClean="0"/>
-              <a:t>1/7/2017</a:t>
+              <a:t>10/18/2018</a:t>
             </a:fld>
             <a:endParaRPr lang="en-US"/>
           </a:p>
@@ -1413,7 +1413,7 @@
           <a:p>
             <a:fld id="{78C97017-6FC3-485B-9764-EAC9E56C1D49}" type="datetimeFigureOut">
               <a:rPr lang="en-US" smtClean="0"/>
-              <a:t>1/7/2017</a:t>
+              <a:t>10/18/2018</a:t>
             </a:fld>
             <a:endParaRPr lang="en-US"/>
           </a:p>
@@ -1698,7 +1698,7 @@
           <a:p>
             <a:fld id="{78C97017-6FC3-485B-9764-EAC9E56C1D49}" type="datetimeFigureOut">
               <a:rPr lang="en-US" smtClean="0"/>
-              <a:t>1/7/2017</a:t>
+              <a:t>10/18/2018</a:t>
             </a:fld>
             <a:endParaRPr lang="en-US"/>
           </a:p>
@@ -2117,7 +2117,7 @@
           <a:p>
             <a:fld id="{78C97017-6FC3-485B-9764-EAC9E56C1D49}" type="datetimeFigureOut">
               <a:rPr lang="en-US" smtClean="0"/>
-              <a:t>1/7/2017</a:t>
+              <a:t>10/18/2018</a:t>
             </a:fld>
             <a:endParaRPr lang="en-US"/>
           </a:p>
@@ -2234,7 +2234,7 @@
           <a:p>
             <a:fld id="{78C97017-6FC3-485B-9764-EAC9E56C1D49}" type="datetimeFigureOut">
               <a:rPr lang="en-US" smtClean="0"/>
-              <a:t>1/7/2017</a:t>
+              <a:t>10/18/2018</a:t>
             </a:fld>
             <a:endParaRPr lang="en-US"/>
           </a:p>
@@ -2329,7 +2329,7 @@
           <a:p>
             <a:fld id="{78C97017-6FC3-485B-9764-EAC9E56C1D49}" type="datetimeFigureOut">
               <a:rPr lang="en-US" smtClean="0"/>
-              <a:t>1/7/2017</a:t>
+              <a:t>10/18/2018</a:t>
             </a:fld>
             <a:endParaRPr lang="en-US"/>
           </a:p>
@@ -2604,7 +2604,7 @@
           <a:p>
             <a:fld id="{78C97017-6FC3-485B-9764-EAC9E56C1D49}" type="datetimeFigureOut">
               <a:rPr lang="en-US" smtClean="0"/>
-              <a:t>1/7/2017</a:t>
+              <a:t>10/18/2018</a:t>
             </a:fld>
             <a:endParaRPr lang="en-US"/>
           </a:p>
@@ -2856,7 +2856,7 @@
           <a:p>
             <a:fld id="{78C97017-6FC3-485B-9764-EAC9E56C1D49}" type="datetimeFigureOut">
               <a:rPr lang="en-US" smtClean="0"/>
-              <a:t>1/7/2017</a:t>
+              <a:t>10/18/2018</a:t>
             </a:fld>
             <a:endParaRPr lang="en-US"/>
           </a:p>
@@ -3067,7 +3067,7 @@
           <a:p>
             <a:fld id="{78C97017-6FC3-485B-9764-EAC9E56C1D49}" type="datetimeFigureOut">
               <a:rPr lang="en-US" smtClean="0"/>
-              <a:t>1/7/2017</a:t>
+              <a:t>10/18/2018</a:t>
             </a:fld>
             <a:endParaRPr lang="en-US"/>
           </a:p>
@@ -4105,7 +4105,7 @@
                   </a:schemeClr>
                 </a:solidFill>
               </a:rPr>
-              <a:t>PersonCard</a:t>
+              <a:t>IssueCard</a:t>
             </a:r>
             <a:endParaRPr lang="en-SG" sz="1050" b="1" dirty="0">
               <a:solidFill>

--- a/docs/diagrams/UiComponentClassDiagram.pptx
+++ b/docs/diagrams/UiComponentClassDiagram.pptx
@@ -1,14 +1,14 @@
 
 <file path=ppt/presentation.xml><?xml version="1.0" encoding="utf-8"?>
-<p:presentation xmlns:a="http://schemas.openxmlformats.org/drawingml/2006/main" xmlns:r="http://schemas.openxmlformats.org/officeDocument/2006/relationships" xmlns:p="http://schemas.openxmlformats.org/presentationml/2006/main" removePersonalInfoOnSave="1" saveSubsetFonts="1">
+<p:presentation xmlns:a="http://schemas.openxmlformats.org/drawingml/2006/main" xmlns:r="http://schemas.openxmlformats.org/officeDocument/2006/relationships" xmlns:p="http://schemas.openxmlformats.org/presentationml/2006/main" removePersonalInfoOnSave="1">
   <p:sldMasterIdLst>
     <p:sldMasterId id="2147483648" r:id="rId1"/>
   </p:sldMasterIdLst>
   <p:notesMasterIdLst>
-    <p:notesMasterId r:id="rId3"/>
+    <p:notesMasterId r:id="rId4"/>
   </p:notesMasterIdLst>
   <p:sldIdLst>
-    <p:sldId id="260" r:id="rId2"/>
+    <p:sldId id="260" r:id="rId3"/>
   </p:sldIdLst>
   <p:sldSz cx="9144000" cy="6858000" type="screen4x3"/>
   <p:notesSz cx="6858000" cy="9144000"/>
@@ -107,22 +107,6 @@
       </a:defRPr>
     </a:lvl9pPr>
   </p:defaultTextStyle>
-  <p:extLst>
-    <p:ext uri="{EFAFB233-063F-42B5-8137-9DF3F51BA10A}">
-      <p15:sldGuideLst xmlns:p15="http://schemas.microsoft.com/office/powerpoint/2012/main">
-        <p15:guide id="1" orient="horz" pos="1488">
-          <p15:clr>
-            <a:srgbClr val="A4A3A4"/>
-          </p15:clr>
-        </p15:guide>
-        <p15:guide id="2" pos="2880">
-          <p15:clr>
-            <a:srgbClr val="A4A3A4"/>
-          </p15:clr>
-        </p15:guide>
-      </p15:sldGuideLst>
-    </p:ext>
-  </p:extLst>
 </p:presentation>
 </file>
 
@@ -208,7 +192,6 @@
           <a:p>
             <a:fld id="{F5CC4B3F-88C1-4FFA-B1B6-F41C21DC6924}" type="datetimeFigureOut">
               <a:rPr lang="en-US" smtClean="0"/>
-              <a:t>10/18/2018</a:t>
             </a:fld>
             <a:endParaRPr lang="en-US"/>
           </a:p>
@@ -275,6 +258,7 @@
               <a:rPr lang="en-US"/>
               <a:t>Click to edit Master text styles</a:t>
             </a:r>
+            <a:endParaRPr lang="en-US"/>
           </a:p>
           <a:p>
             <a:pPr lvl="1"/>
@@ -282,6 +266,7 @@
               <a:rPr lang="en-US"/>
               <a:t>Second level</a:t>
             </a:r>
+            <a:endParaRPr lang="en-US"/>
           </a:p>
           <a:p>
             <a:pPr lvl="2"/>
@@ -289,6 +274,7 @@
               <a:rPr lang="en-US"/>
               <a:t>Third level</a:t>
             </a:r>
+            <a:endParaRPr lang="en-US"/>
           </a:p>
           <a:p>
             <a:pPr lvl="3"/>
@@ -296,6 +282,7 @@
               <a:rPr lang="en-US"/>
               <a:t>Fourth level</a:t>
             </a:r>
+            <a:endParaRPr lang="en-US"/>
           </a:p>
           <a:p>
             <a:pPr lvl="4"/>
@@ -303,6 +290,7 @@
               <a:rPr lang="en-US"/>
               <a:t>Fifth level</a:t>
             </a:r>
+            <a:endParaRPr lang="en-US"/>
           </a:p>
         </p:txBody>
       </p:sp>
@@ -366,18 +354,12 @@
           <a:p>
             <a:fld id="{5A7AB025-77E3-4BD1-A2FD-B3183DBA47A3}" type="slidenum">
               <a:rPr lang="en-US" smtClean="0"/>
-              <a:t>‹#›</a:t>
             </a:fld>
             <a:endParaRPr lang="en-US"/>
           </a:p>
         </p:txBody>
       </p:sp>
     </p:spTree>
-    <p:extLst>
-      <p:ext uri="{BB962C8B-B14F-4D97-AF65-F5344CB8AC3E}">
-        <p14:creationId xmlns:p14="http://schemas.microsoft.com/office/powerpoint/2010/main" val="2023976206"/>
-      </p:ext>
-    </p:extLst>
   </p:cSld>
   <p:clrMap bg1="lt1" tx1="dk1" bg2="lt2" tx2="dk2" accent1="accent1" accent2="accent2" accent3="accent3" accent4="accent4" accent5="accent5" accent6="accent6" hlink="hlink" folHlink="folHlink"/>
   <p:notesStyle>
@@ -516,6 +498,7 @@
               <a:rPr lang="en-US"/>
               <a:t>Click to edit Master title style</a:t>
             </a:r>
+            <a:endParaRPr lang="en-US"/>
           </a:p>
         </p:txBody>
       </p:sp>
@@ -634,6 +617,7 @@
               <a:rPr lang="en-US"/>
               <a:t>Click to edit Master subtitle style</a:t>
             </a:r>
+            <a:endParaRPr lang="en-US"/>
           </a:p>
         </p:txBody>
       </p:sp>
@@ -654,7 +638,6 @@
           <a:p>
             <a:fld id="{78C97017-6FC3-485B-9764-EAC9E56C1D49}" type="datetimeFigureOut">
               <a:rPr lang="en-US" smtClean="0"/>
-              <a:t>10/18/2018</a:t>
             </a:fld>
             <a:endParaRPr lang="en-US"/>
           </a:p>
@@ -696,18 +679,12 @@
           <a:p>
             <a:fld id="{FB34683C-161B-4520-BF45-B179E228CF2A}" type="slidenum">
               <a:rPr lang="en-US" smtClean="0"/>
-              <a:t>‹#›</a:t>
             </a:fld>
             <a:endParaRPr lang="en-US"/>
           </a:p>
         </p:txBody>
       </p:sp>
     </p:spTree>
-    <p:extLst>
-      <p:ext uri="{BB962C8B-B14F-4D97-AF65-F5344CB8AC3E}">
-        <p14:creationId xmlns:p14="http://schemas.microsoft.com/office/powerpoint/2010/main" val="3246593157"/>
-      </p:ext>
-    </p:extLst>
   </p:cSld>
   <p:clrMapOvr>
     <a:masterClrMapping/>
@@ -751,6 +728,7 @@
               <a:rPr lang="en-US"/>
               <a:t>Click to edit Master title style</a:t>
             </a:r>
+            <a:endParaRPr lang="en-US"/>
           </a:p>
         </p:txBody>
       </p:sp>
@@ -774,6 +752,7 @@
               <a:rPr lang="en-US"/>
               <a:t>Click to edit Master text styles</a:t>
             </a:r>
+            <a:endParaRPr lang="en-US"/>
           </a:p>
           <a:p>
             <a:pPr lvl="1"/>
@@ -781,6 +760,7 @@
               <a:rPr lang="en-US"/>
               <a:t>Second level</a:t>
             </a:r>
+            <a:endParaRPr lang="en-US"/>
           </a:p>
           <a:p>
             <a:pPr lvl="2"/>
@@ -788,6 +768,7 @@
               <a:rPr lang="en-US"/>
               <a:t>Third level</a:t>
             </a:r>
+            <a:endParaRPr lang="en-US"/>
           </a:p>
           <a:p>
             <a:pPr lvl="3"/>
@@ -795,6 +776,7 @@
               <a:rPr lang="en-US"/>
               <a:t>Fourth level</a:t>
             </a:r>
+            <a:endParaRPr lang="en-US"/>
           </a:p>
           <a:p>
             <a:pPr lvl="4"/>
@@ -802,6 +784,7 @@
               <a:rPr lang="en-US"/>
               <a:t>Fifth level</a:t>
             </a:r>
+            <a:endParaRPr lang="en-US"/>
           </a:p>
         </p:txBody>
       </p:sp>
@@ -822,7 +805,6 @@
           <a:p>
             <a:fld id="{78C97017-6FC3-485B-9764-EAC9E56C1D49}" type="datetimeFigureOut">
               <a:rPr lang="en-US" smtClean="0"/>
-              <a:t>10/18/2018</a:t>
             </a:fld>
             <a:endParaRPr lang="en-US"/>
           </a:p>
@@ -864,18 +846,12 @@
           <a:p>
             <a:fld id="{FB34683C-161B-4520-BF45-B179E228CF2A}" type="slidenum">
               <a:rPr lang="en-US" smtClean="0"/>
-              <a:t>‹#›</a:t>
             </a:fld>
             <a:endParaRPr lang="en-US"/>
           </a:p>
         </p:txBody>
       </p:sp>
     </p:spTree>
-    <p:extLst>
-      <p:ext uri="{BB962C8B-B14F-4D97-AF65-F5344CB8AC3E}">
-        <p14:creationId xmlns:p14="http://schemas.microsoft.com/office/powerpoint/2010/main" val="2707025021"/>
-      </p:ext>
-    </p:extLst>
   </p:cSld>
   <p:clrMapOvr>
     <a:masterClrMapping/>
@@ -924,6 +900,7 @@
               <a:rPr lang="en-US"/>
               <a:t>Click to edit Master title style</a:t>
             </a:r>
+            <a:endParaRPr lang="en-US"/>
           </a:p>
         </p:txBody>
       </p:sp>
@@ -952,6 +929,7 @@
               <a:rPr lang="en-US"/>
               <a:t>Click to edit Master text styles</a:t>
             </a:r>
+            <a:endParaRPr lang="en-US"/>
           </a:p>
           <a:p>
             <a:pPr lvl="1"/>
@@ -959,6 +937,7 @@
               <a:rPr lang="en-US"/>
               <a:t>Second level</a:t>
             </a:r>
+            <a:endParaRPr lang="en-US"/>
           </a:p>
           <a:p>
             <a:pPr lvl="2"/>
@@ -966,6 +945,7 @@
               <a:rPr lang="en-US"/>
               <a:t>Third level</a:t>
             </a:r>
+            <a:endParaRPr lang="en-US"/>
           </a:p>
           <a:p>
             <a:pPr lvl="3"/>
@@ -973,6 +953,7 @@
               <a:rPr lang="en-US"/>
               <a:t>Fourth level</a:t>
             </a:r>
+            <a:endParaRPr lang="en-US"/>
           </a:p>
           <a:p>
             <a:pPr lvl="4"/>
@@ -980,6 +961,7 @@
               <a:rPr lang="en-US"/>
               <a:t>Fifth level</a:t>
             </a:r>
+            <a:endParaRPr lang="en-US"/>
           </a:p>
         </p:txBody>
       </p:sp>
@@ -1000,7 +982,6 @@
           <a:p>
             <a:fld id="{78C97017-6FC3-485B-9764-EAC9E56C1D49}" type="datetimeFigureOut">
               <a:rPr lang="en-US" smtClean="0"/>
-              <a:t>10/18/2018</a:t>
             </a:fld>
             <a:endParaRPr lang="en-US"/>
           </a:p>
@@ -1042,18 +1023,12 @@
           <a:p>
             <a:fld id="{FB34683C-161B-4520-BF45-B179E228CF2A}" type="slidenum">
               <a:rPr lang="en-US" smtClean="0"/>
-              <a:t>‹#›</a:t>
             </a:fld>
             <a:endParaRPr lang="en-US"/>
           </a:p>
         </p:txBody>
       </p:sp>
     </p:spTree>
-    <p:extLst>
-      <p:ext uri="{BB962C8B-B14F-4D97-AF65-F5344CB8AC3E}">
-        <p14:creationId xmlns:p14="http://schemas.microsoft.com/office/powerpoint/2010/main" val="568378986"/>
-      </p:ext>
-    </p:extLst>
   </p:cSld>
   <p:clrMapOvr>
     <a:masterClrMapping/>
@@ -1097,6 +1072,7 @@
               <a:rPr lang="en-US"/>
               <a:t>Click to edit Master title style</a:t>
             </a:r>
+            <a:endParaRPr lang="en-US"/>
           </a:p>
         </p:txBody>
       </p:sp>
@@ -1120,6 +1096,7 @@
               <a:rPr lang="en-US"/>
               <a:t>Click to edit Master text styles</a:t>
             </a:r>
+            <a:endParaRPr lang="en-US"/>
           </a:p>
           <a:p>
             <a:pPr lvl="1"/>
@@ -1127,6 +1104,7 @@
               <a:rPr lang="en-US"/>
               <a:t>Second level</a:t>
             </a:r>
+            <a:endParaRPr lang="en-US"/>
           </a:p>
           <a:p>
             <a:pPr lvl="2"/>
@@ -1134,6 +1112,7 @@
               <a:rPr lang="en-US"/>
               <a:t>Third level</a:t>
             </a:r>
+            <a:endParaRPr lang="en-US"/>
           </a:p>
           <a:p>
             <a:pPr lvl="3"/>
@@ -1141,6 +1120,7 @@
               <a:rPr lang="en-US"/>
               <a:t>Fourth level</a:t>
             </a:r>
+            <a:endParaRPr lang="en-US"/>
           </a:p>
           <a:p>
             <a:pPr lvl="4"/>
@@ -1148,6 +1128,7 @@
               <a:rPr lang="en-US"/>
               <a:t>Fifth level</a:t>
             </a:r>
+            <a:endParaRPr lang="en-US"/>
           </a:p>
         </p:txBody>
       </p:sp>
@@ -1168,7 +1149,6 @@
           <a:p>
             <a:fld id="{78C97017-6FC3-485B-9764-EAC9E56C1D49}" type="datetimeFigureOut">
               <a:rPr lang="en-US" smtClean="0"/>
-              <a:t>10/18/2018</a:t>
             </a:fld>
             <a:endParaRPr lang="en-US"/>
           </a:p>
@@ -1210,18 +1190,12 @@
           <a:p>
             <a:fld id="{FB34683C-161B-4520-BF45-B179E228CF2A}" type="slidenum">
               <a:rPr lang="en-US" smtClean="0"/>
-              <a:t>‹#›</a:t>
             </a:fld>
             <a:endParaRPr lang="en-US"/>
           </a:p>
         </p:txBody>
       </p:sp>
     </p:spTree>
-    <p:extLst>
-      <p:ext uri="{BB962C8B-B14F-4D97-AF65-F5344CB8AC3E}">
-        <p14:creationId xmlns:p14="http://schemas.microsoft.com/office/powerpoint/2010/main" val="266658052"/>
-      </p:ext>
-    </p:extLst>
   </p:cSld>
   <p:clrMapOvr>
     <a:masterClrMapping/>
@@ -1274,6 +1248,7 @@
               <a:rPr lang="en-US"/>
               <a:t>Click to edit Master title style</a:t>
             </a:r>
+            <a:endParaRPr lang="en-US"/>
           </a:p>
         </p:txBody>
       </p:sp>
@@ -1393,6 +1368,7 @@
               <a:rPr lang="en-US"/>
               <a:t>Click to edit Master text styles</a:t>
             </a:r>
+            <a:endParaRPr lang="en-US"/>
           </a:p>
         </p:txBody>
       </p:sp>
@@ -1413,7 +1389,6 @@
           <a:p>
             <a:fld id="{78C97017-6FC3-485B-9764-EAC9E56C1D49}" type="datetimeFigureOut">
               <a:rPr lang="en-US" smtClean="0"/>
-              <a:t>10/18/2018</a:t>
             </a:fld>
             <a:endParaRPr lang="en-US"/>
           </a:p>
@@ -1455,18 +1430,12 @@
           <a:p>
             <a:fld id="{FB34683C-161B-4520-BF45-B179E228CF2A}" type="slidenum">
               <a:rPr lang="en-US" smtClean="0"/>
-              <a:t>‹#›</a:t>
             </a:fld>
             <a:endParaRPr lang="en-US"/>
           </a:p>
         </p:txBody>
       </p:sp>
     </p:spTree>
-    <p:extLst>
-      <p:ext uri="{BB962C8B-B14F-4D97-AF65-F5344CB8AC3E}">
-        <p14:creationId xmlns:p14="http://schemas.microsoft.com/office/powerpoint/2010/main" val="474686344"/>
-      </p:ext>
-    </p:extLst>
   </p:cSld>
   <p:clrMapOvr>
     <a:masterClrMapping/>
@@ -1510,6 +1479,7 @@
               <a:rPr lang="en-US"/>
               <a:t>Click to edit Master title style</a:t>
             </a:r>
+            <a:endParaRPr lang="en-US"/>
           </a:p>
         </p:txBody>
       </p:sp>
@@ -1566,6 +1536,7 @@
               <a:rPr lang="en-US"/>
               <a:t>Click to edit Master text styles</a:t>
             </a:r>
+            <a:endParaRPr lang="en-US"/>
           </a:p>
           <a:p>
             <a:pPr lvl="1"/>
@@ -1573,6 +1544,7 @@
               <a:rPr lang="en-US"/>
               <a:t>Second level</a:t>
             </a:r>
+            <a:endParaRPr lang="en-US"/>
           </a:p>
           <a:p>
             <a:pPr lvl="2"/>
@@ -1580,6 +1552,7 @@
               <a:rPr lang="en-US"/>
               <a:t>Third level</a:t>
             </a:r>
+            <a:endParaRPr lang="en-US"/>
           </a:p>
           <a:p>
             <a:pPr lvl="3"/>
@@ -1587,6 +1560,7 @@
               <a:rPr lang="en-US"/>
               <a:t>Fourth level</a:t>
             </a:r>
+            <a:endParaRPr lang="en-US"/>
           </a:p>
           <a:p>
             <a:pPr lvl="4"/>
@@ -1594,6 +1568,7 @@
               <a:rPr lang="en-US"/>
               <a:t>Fifth level</a:t>
             </a:r>
+            <a:endParaRPr lang="en-US"/>
           </a:p>
         </p:txBody>
       </p:sp>
@@ -1650,6 +1625,7 @@
               <a:rPr lang="en-US"/>
               <a:t>Click to edit Master text styles</a:t>
             </a:r>
+            <a:endParaRPr lang="en-US"/>
           </a:p>
           <a:p>
             <a:pPr lvl="1"/>
@@ -1657,6 +1633,7 @@
               <a:rPr lang="en-US"/>
               <a:t>Second level</a:t>
             </a:r>
+            <a:endParaRPr lang="en-US"/>
           </a:p>
           <a:p>
             <a:pPr lvl="2"/>
@@ -1664,6 +1641,7 @@
               <a:rPr lang="en-US"/>
               <a:t>Third level</a:t>
             </a:r>
+            <a:endParaRPr lang="en-US"/>
           </a:p>
           <a:p>
             <a:pPr lvl="3"/>
@@ -1671,6 +1649,7 @@
               <a:rPr lang="en-US"/>
               <a:t>Fourth level</a:t>
             </a:r>
+            <a:endParaRPr lang="en-US"/>
           </a:p>
           <a:p>
             <a:pPr lvl="4"/>
@@ -1678,6 +1657,7 @@
               <a:rPr lang="en-US"/>
               <a:t>Fifth level</a:t>
             </a:r>
+            <a:endParaRPr lang="en-US"/>
           </a:p>
         </p:txBody>
       </p:sp>
@@ -1698,7 +1678,6 @@
           <a:p>
             <a:fld id="{78C97017-6FC3-485B-9764-EAC9E56C1D49}" type="datetimeFigureOut">
               <a:rPr lang="en-US" smtClean="0"/>
-              <a:t>10/18/2018</a:t>
             </a:fld>
             <a:endParaRPr lang="en-US"/>
           </a:p>
@@ -1740,18 +1719,12 @@
           <a:p>
             <a:fld id="{FB34683C-161B-4520-BF45-B179E228CF2A}" type="slidenum">
               <a:rPr lang="en-US" smtClean="0"/>
-              <a:t>‹#›</a:t>
             </a:fld>
             <a:endParaRPr lang="en-US"/>
           </a:p>
         </p:txBody>
       </p:sp>
     </p:spTree>
-    <p:extLst>
-      <p:ext uri="{BB962C8B-B14F-4D97-AF65-F5344CB8AC3E}">
-        <p14:creationId xmlns:p14="http://schemas.microsoft.com/office/powerpoint/2010/main" val="562293251"/>
-      </p:ext>
-    </p:extLst>
   </p:cSld>
   <p:clrMapOvr>
     <a:masterClrMapping/>
@@ -1799,6 +1772,7 @@
               <a:rPr lang="en-US"/>
               <a:t>Click to edit Master title style</a:t>
             </a:r>
+            <a:endParaRPr lang="en-US"/>
           </a:p>
         </p:txBody>
       </p:sp>
@@ -1864,6 +1838,7 @@
               <a:rPr lang="en-US"/>
               <a:t>Click to edit Master text styles</a:t>
             </a:r>
+            <a:endParaRPr lang="en-US"/>
           </a:p>
         </p:txBody>
       </p:sp>
@@ -1920,6 +1895,7 @@
               <a:rPr lang="en-US"/>
               <a:t>Click to edit Master text styles</a:t>
             </a:r>
+            <a:endParaRPr lang="en-US"/>
           </a:p>
           <a:p>
             <a:pPr lvl="1"/>
@@ -1927,6 +1903,7 @@
               <a:rPr lang="en-US"/>
               <a:t>Second level</a:t>
             </a:r>
+            <a:endParaRPr lang="en-US"/>
           </a:p>
           <a:p>
             <a:pPr lvl="2"/>
@@ -1934,6 +1911,7 @@
               <a:rPr lang="en-US"/>
               <a:t>Third level</a:t>
             </a:r>
+            <a:endParaRPr lang="en-US"/>
           </a:p>
           <a:p>
             <a:pPr lvl="3"/>
@@ -1941,6 +1919,7 @@
               <a:rPr lang="en-US"/>
               <a:t>Fourth level</a:t>
             </a:r>
+            <a:endParaRPr lang="en-US"/>
           </a:p>
           <a:p>
             <a:pPr lvl="4"/>
@@ -1948,6 +1927,7 @@
               <a:rPr lang="en-US"/>
               <a:t>Fifth level</a:t>
             </a:r>
+            <a:endParaRPr lang="en-US"/>
           </a:p>
         </p:txBody>
       </p:sp>
@@ -2013,6 +1993,7 @@
               <a:rPr lang="en-US"/>
               <a:t>Click to edit Master text styles</a:t>
             </a:r>
+            <a:endParaRPr lang="en-US"/>
           </a:p>
         </p:txBody>
       </p:sp>
@@ -2069,6 +2050,7 @@
               <a:rPr lang="en-US"/>
               <a:t>Click to edit Master text styles</a:t>
             </a:r>
+            <a:endParaRPr lang="en-US"/>
           </a:p>
           <a:p>
             <a:pPr lvl="1"/>
@@ -2076,6 +2058,7 @@
               <a:rPr lang="en-US"/>
               <a:t>Second level</a:t>
             </a:r>
+            <a:endParaRPr lang="en-US"/>
           </a:p>
           <a:p>
             <a:pPr lvl="2"/>
@@ -2083,6 +2066,7 @@
               <a:rPr lang="en-US"/>
               <a:t>Third level</a:t>
             </a:r>
+            <a:endParaRPr lang="en-US"/>
           </a:p>
           <a:p>
             <a:pPr lvl="3"/>
@@ -2090,6 +2074,7 @@
               <a:rPr lang="en-US"/>
               <a:t>Fourth level</a:t>
             </a:r>
+            <a:endParaRPr lang="en-US"/>
           </a:p>
           <a:p>
             <a:pPr lvl="4"/>
@@ -2097,6 +2082,7 @@
               <a:rPr lang="en-US"/>
               <a:t>Fifth level</a:t>
             </a:r>
+            <a:endParaRPr lang="en-US"/>
           </a:p>
         </p:txBody>
       </p:sp>
@@ -2117,7 +2103,6 @@
           <a:p>
             <a:fld id="{78C97017-6FC3-485B-9764-EAC9E56C1D49}" type="datetimeFigureOut">
               <a:rPr lang="en-US" smtClean="0"/>
-              <a:t>10/18/2018</a:t>
             </a:fld>
             <a:endParaRPr lang="en-US"/>
           </a:p>
@@ -2159,18 +2144,12 @@
           <a:p>
             <a:fld id="{FB34683C-161B-4520-BF45-B179E228CF2A}" type="slidenum">
               <a:rPr lang="en-US" smtClean="0"/>
-              <a:t>‹#›</a:t>
             </a:fld>
             <a:endParaRPr lang="en-US"/>
           </a:p>
         </p:txBody>
       </p:sp>
     </p:spTree>
-    <p:extLst>
-      <p:ext uri="{BB962C8B-B14F-4D97-AF65-F5344CB8AC3E}">
-        <p14:creationId xmlns:p14="http://schemas.microsoft.com/office/powerpoint/2010/main" val="1126424250"/>
-      </p:ext>
-    </p:extLst>
   </p:cSld>
   <p:clrMapOvr>
     <a:masterClrMapping/>
@@ -2214,6 +2193,7 @@
               <a:rPr lang="en-US"/>
               <a:t>Click to edit Master title style</a:t>
             </a:r>
+            <a:endParaRPr lang="en-US"/>
           </a:p>
         </p:txBody>
       </p:sp>
@@ -2234,7 +2214,6 @@
           <a:p>
             <a:fld id="{78C97017-6FC3-485B-9764-EAC9E56C1D49}" type="datetimeFigureOut">
               <a:rPr lang="en-US" smtClean="0"/>
-              <a:t>10/18/2018</a:t>
             </a:fld>
             <a:endParaRPr lang="en-US"/>
           </a:p>
@@ -2276,18 +2255,12 @@
           <a:p>
             <a:fld id="{FB34683C-161B-4520-BF45-B179E228CF2A}" type="slidenum">
               <a:rPr lang="en-US" smtClean="0"/>
-              <a:t>‹#›</a:t>
             </a:fld>
             <a:endParaRPr lang="en-US"/>
           </a:p>
         </p:txBody>
       </p:sp>
     </p:spTree>
-    <p:extLst>
-      <p:ext uri="{BB962C8B-B14F-4D97-AF65-F5344CB8AC3E}">
-        <p14:creationId xmlns:p14="http://schemas.microsoft.com/office/powerpoint/2010/main" val="4159724230"/>
-      </p:ext>
-    </p:extLst>
   </p:cSld>
   <p:clrMapOvr>
     <a:masterClrMapping/>
@@ -2329,7 +2302,6 @@
           <a:p>
             <a:fld id="{78C97017-6FC3-485B-9764-EAC9E56C1D49}" type="datetimeFigureOut">
               <a:rPr lang="en-US" smtClean="0"/>
-              <a:t>10/18/2018</a:t>
             </a:fld>
             <a:endParaRPr lang="en-US"/>
           </a:p>
@@ -2371,18 +2343,12 @@
           <a:p>
             <a:fld id="{FB34683C-161B-4520-BF45-B179E228CF2A}" type="slidenum">
               <a:rPr lang="en-US" smtClean="0"/>
-              <a:t>‹#›</a:t>
             </a:fld>
             <a:endParaRPr lang="en-US"/>
           </a:p>
         </p:txBody>
       </p:sp>
     </p:spTree>
-    <p:extLst>
-      <p:ext uri="{BB962C8B-B14F-4D97-AF65-F5344CB8AC3E}">
-        <p14:creationId xmlns:p14="http://schemas.microsoft.com/office/powerpoint/2010/main" val="1793928710"/>
-      </p:ext>
-    </p:extLst>
   </p:cSld>
   <p:clrMapOvr>
     <a:masterClrMapping/>
@@ -2435,6 +2401,7 @@
               <a:rPr lang="en-US"/>
               <a:t>Click to edit Master title style</a:t>
             </a:r>
+            <a:endParaRPr lang="en-US"/>
           </a:p>
         </p:txBody>
       </p:sp>
@@ -2491,6 +2458,7 @@
               <a:rPr lang="en-US"/>
               <a:t>Click to edit Master text styles</a:t>
             </a:r>
+            <a:endParaRPr lang="en-US"/>
           </a:p>
           <a:p>
             <a:pPr lvl="1"/>
@@ -2498,6 +2466,7 @@
               <a:rPr lang="en-US"/>
               <a:t>Second level</a:t>
             </a:r>
+            <a:endParaRPr lang="en-US"/>
           </a:p>
           <a:p>
             <a:pPr lvl="2"/>
@@ -2505,6 +2474,7 @@
               <a:rPr lang="en-US"/>
               <a:t>Third level</a:t>
             </a:r>
+            <a:endParaRPr lang="en-US"/>
           </a:p>
           <a:p>
             <a:pPr lvl="3"/>
@@ -2512,6 +2482,7 @@
               <a:rPr lang="en-US"/>
               <a:t>Fourth level</a:t>
             </a:r>
+            <a:endParaRPr lang="en-US"/>
           </a:p>
           <a:p>
             <a:pPr lvl="4"/>
@@ -2519,6 +2490,7 @@
               <a:rPr lang="en-US"/>
               <a:t>Fifth level</a:t>
             </a:r>
+            <a:endParaRPr lang="en-US"/>
           </a:p>
         </p:txBody>
       </p:sp>
@@ -2584,6 +2556,7 @@
               <a:rPr lang="en-US"/>
               <a:t>Click to edit Master text styles</a:t>
             </a:r>
+            <a:endParaRPr lang="en-US"/>
           </a:p>
         </p:txBody>
       </p:sp>
@@ -2604,7 +2577,6 @@
           <a:p>
             <a:fld id="{78C97017-6FC3-485B-9764-EAC9E56C1D49}" type="datetimeFigureOut">
               <a:rPr lang="en-US" smtClean="0"/>
-              <a:t>10/18/2018</a:t>
             </a:fld>
             <a:endParaRPr lang="en-US"/>
           </a:p>
@@ -2646,18 +2618,12 @@
           <a:p>
             <a:fld id="{FB34683C-161B-4520-BF45-B179E228CF2A}" type="slidenum">
               <a:rPr lang="en-US" smtClean="0"/>
-              <a:t>‹#›</a:t>
             </a:fld>
             <a:endParaRPr lang="en-US"/>
           </a:p>
         </p:txBody>
       </p:sp>
     </p:spTree>
-    <p:extLst>
-      <p:ext uri="{BB962C8B-B14F-4D97-AF65-F5344CB8AC3E}">
-        <p14:creationId xmlns:p14="http://schemas.microsoft.com/office/powerpoint/2010/main" val="2076802089"/>
-      </p:ext>
-    </p:extLst>
   </p:cSld>
   <p:clrMapOvr>
     <a:masterClrMapping/>
@@ -2710,6 +2676,7 @@
               <a:rPr lang="en-US"/>
               <a:t>Click to edit Master title style</a:t>
             </a:r>
+            <a:endParaRPr lang="en-US"/>
           </a:p>
         </p:txBody>
       </p:sp>
@@ -2836,6 +2803,7 @@
               <a:rPr lang="en-US"/>
               <a:t>Click to edit Master text styles</a:t>
             </a:r>
+            <a:endParaRPr lang="en-US"/>
           </a:p>
         </p:txBody>
       </p:sp>
@@ -2856,7 +2824,6 @@
           <a:p>
             <a:fld id="{78C97017-6FC3-485B-9764-EAC9E56C1D49}" type="datetimeFigureOut">
               <a:rPr lang="en-US" smtClean="0"/>
-              <a:t>10/18/2018</a:t>
             </a:fld>
             <a:endParaRPr lang="en-US"/>
           </a:p>
@@ -2898,18 +2865,12 @@
           <a:p>
             <a:fld id="{FB34683C-161B-4520-BF45-B179E228CF2A}" type="slidenum">
               <a:rPr lang="en-US" smtClean="0"/>
-              <a:t>‹#›</a:t>
             </a:fld>
             <a:endParaRPr lang="en-US"/>
           </a:p>
         </p:txBody>
       </p:sp>
     </p:spTree>
-    <p:extLst>
-      <p:ext uri="{BB962C8B-B14F-4D97-AF65-F5344CB8AC3E}">
-        <p14:creationId xmlns:p14="http://schemas.microsoft.com/office/powerpoint/2010/main" val="201835938"/>
-      </p:ext>
-    </p:extLst>
   </p:cSld>
   <p:clrMapOvr>
     <a:masterClrMapping/>
@@ -2968,6 +2929,7 @@
               <a:rPr lang="en-US"/>
               <a:t>Click to edit Master title style</a:t>
             </a:r>
+            <a:endParaRPr lang="en-US"/>
           </a:p>
         </p:txBody>
       </p:sp>
@@ -3001,6 +2963,7 @@
               <a:rPr lang="en-US"/>
               <a:t>Click to edit Master text styles</a:t>
             </a:r>
+            <a:endParaRPr lang="en-US"/>
           </a:p>
           <a:p>
             <a:pPr lvl="1"/>
@@ -3008,6 +2971,7 @@
               <a:rPr lang="en-US"/>
               <a:t>Second level</a:t>
             </a:r>
+            <a:endParaRPr lang="en-US"/>
           </a:p>
           <a:p>
             <a:pPr lvl="2"/>
@@ -3015,6 +2979,7 @@
               <a:rPr lang="en-US"/>
               <a:t>Third level</a:t>
             </a:r>
+            <a:endParaRPr lang="en-US"/>
           </a:p>
           <a:p>
             <a:pPr lvl="3"/>
@@ -3022,6 +2987,7 @@
               <a:rPr lang="en-US"/>
               <a:t>Fourth level</a:t>
             </a:r>
+            <a:endParaRPr lang="en-US"/>
           </a:p>
           <a:p>
             <a:pPr lvl="4"/>
@@ -3029,6 +2995,7 @@
               <a:rPr lang="en-US"/>
               <a:t>Fifth level</a:t>
             </a:r>
+            <a:endParaRPr lang="en-US"/>
           </a:p>
         </p:txBody>
       </p:sp>
@@ -3067,7 +3034,6 @@
           <a:p>
             <a:fld id="{78C97017-6FC3-485B-9764-EAC9E56C1D49}" type="datetimeFigureOut">
               <a:rPr lang="en-US" smtClean="0"/>
-              <a:t>10/18/2018</a:t>
             </a:fld>
             <a:endParaRPr lang="en-US"/>
           </a:p>
@@ -3145,18 +3111,12 @@
           <a:p>
             <a:fld id="{FB34683C-161B-4520-BF45-B179E228CF2A}" type="slidenum">
               <a:rPr lang="en-US" smtClean="0"/>
-              <a:t>‹#›</a:t>
             </a:fld>
             <a:endParaRPr lang="en-US"/>
           </a:p>
         </p:txBody>
       </p:sp>
     </p:spTree>
-    <p:extLst>
-      <p:ext uri="{BB962C8B-B14F-4D97-AF65-F5344CB8AC3E}">
-        <p14:creationId xmlns:p14="http://schemas.microsoft.com/office/powerpoint/2010/main" val="2341400630"/>
-      </p:ext>
-    </p:extLst>
   </p:cSld>
   <p:clrMap bg1="lt1" tx1="dk1" bg2="lt2" tx2="dk2" accent1="accent1" accent2="accent2" accent3="accent3" accent4="accent4" accent5="accent5" accent6="accent6" hlink="hlink" folHlink="folHlink"/>
   <p:sldLayoutIdLst>
@@ -3450,8 +3410,8 @@
         </p:nvSpPr>
         <p:spPr>
           <a:xfrm>
-            <a:off x="1217465" y="1447800"/>
-            <a:ext cx="4917083" cy="3962400"/>
+            <a:off x="1224915" y="1429385"/>
+            <a:ext cx="4916805" cy="4514215"/>
           </a:xfrm>
           <a:prstGeom prst="roundRect">
             <a:avLst>
@@ -3945,7 +3905,7 @@
         </p:nvSpPr>
         <p:spPr>
           <a:xfrm>
-            <a:off x="2592527" y="4563759"/>
+            <a:off x="2639517" y="5276864"/>
             <a:ext cx="1093635" cy="236841"/>
           </a:xfrm>
           <a:prstGeom prst="rect">
@@ -4045,7 +4005,7 @@
                   </a:schemeClr>
                 </a:solidFill>
               </a:rPr>
-              <a:t>PersonListPanel</a:t>
+              <a:t>IssueListPanel</a:t>
             </a:r>
             <a:endParaRPr lang="en-SG" sz="1050" b="1" dirty="0">
               <a:solidFill>
@@ -4125,7 +4085,7 @@
         </p:nvSpPr>
         <p:spPr>
           <a:xfrm>
-            <a:off x="2592528" y="4966000"/>
+            <a:off x="2592528" y="5610525"/>
             <a:ext cx="1093635" cy="236841"/>
           </a:xfrm>
           <a:prstGeom prst="rect">
@@ -4418,9 +4378,9 @@
           <p:nvPr/>
         </p:nvCxnSpPr>
         <p:spPr>
-          <a:xfrm rot="16200000" flipH="1">
-            <a:off x="1597249" y="3686901"/>
-            <a:ext cx="1814155" cy="176401"/>
+          <a:xfrm rot="5400000" flipV="1">
+            <a:off x="1263968" y="4019868"/>
+            <a:ext cx="2527935" cy="223520"/>
           </a:xfrm>
           <a:prstGeom prst="bentConnector2">
             <a:avLst/>
@@ -4458,9 +4418,9 @@
           <p:nvPr/>
         </p:nvCxnSpPr>
         <p:spPr>
-          <a:xfrm rot="16200000" flipH="1">
-            <a:off x="1184119" y="3676012"/>
-            <a:ext cx="2396440" cy="420377"/>
+          <a:xfrm rot="5400000" flipV="1">
+            <a:off x="831850" y="3968115"/>
+            <a:ext cx="3061970" cy="459105"/>
           </a:xfrm>
           <a:prstGeom prst="bentConnector2">
             <a:avLst/>
@@ -4743,8 +4703,8 @@
         </p:nvCxnSpPr>
         <p:spPr>
           <a:xfrm rot="5400000">
-            <a:off x="3409976" y="2562187"/>
-            <a:ext cx="2396180" cy="1843807"/>
+            <a:off x="3076893" y="2942273"/>
+            <a:ext cx="3109595" cy="1797050"/>
           </a:xfrm>
           <a:prstGeom prst="bentConnector2">
             <a:avLst/>
@@ -4784,8 +4744,8 @@
         </p:nvCxnSpPr>
         <p:spPr>
           <a:xfrm rot="5400000">
-            <a:off x="3208856" y="2763307"/>
-            <a:ext cx="2798421" cy="1843806"/>
+            <a:off x="2886710" y="3085465"/>
+            <a:ext cx="3442970" cy="1844040"/>
           </a:xfrm>
           <a:prstGeom prst="bentConnector2">
             <a:avLst/>
@@ -4966,6 +4926,11 @@
               </a:rPr>
               <a:t>&lt;&lt;interface&gt;&gt;</a:t>
             </a:r>
+            <a:endParaRPr lang="en-US" sz="1050" dirty="0">
+              <a:solidFill>
+                <a:schemeClr val="bg1"/>
+              </a:solidFill>
+            </a:endParaRPr>
           </a:p>
           <a:p>
             <a:pPr algn="ctr"/>
@@ -5509,12 +5474,297 @@
           </a:p>
         </p:txBody>
       </p:sp>
+      <p:cxnSp>
+        <p:nvCxnSpPr>
+          <p:cNvPr id="4" name="Elbow Connector 63"/>
+          <p:cNvCxnSpPr/>
+          <p:nvPr/>
+        </p:nvCxnSpPr>
+        <p:spPr>
+          <a:xfrm rot="5400000" flipV="1">
+            <a:off x="1532255" y="3589020"/>
+            <a:ext cx="1942465" cy="174625"/>
+          </a:xfrm>
+          <a:prstGeom prst="bentConnector3">
+            <a:avLst>
+              <a:gd name="adj1" fmla="val 99967"/>
+            </a:avLst>
+          </a:prstGeom>
+          <a:ln w="19050">
+            <a:solidFill>
+              <a:schemeClr val="accent3"/>
+            </a:solidFill>
+            <a:headEnd type="none" w="med" len="med"/>
+            <a:tailEnd type="arrow" w="med" len="med"/>
+          </a:ln>
+          <a:effectLst/>
+        </p:spPr>
+        <p:style>
+          <a:lnRef idx="1">
+            <a:schemeClr val="accent2"/>
+          </a:lnRef>
+          <a:fillRef idx="2">
+            <a:schemeClr val="accent2"/>
+          </a:fillRef>
+          <a:effectRef idx="1">
+            <a:schemeClr val="accent2"/>
+          </a:effectRef>
+          <a:fontRef idx="minor">
+            <a:schemeClr val="dk1"/>
+          </a:fontRef>
+        </p:style>
+      </p:cxnSp>
+      <p:sp>
+        <p:nvSpPr>
+          <p:cNvPr id="11" name="Rectangle 11"/>
+          <p:cNvSpPr/>
+          <p:nvPr/>
+        </p:nvSpPr>
+        <p:spPr>
+          <a:xfrm>
+            <a:off x="2593975" y="4532630"/>
+            <a:ext cx="1245870" cy="236855"/>
+          </a:xfrm>
+          <a:prstGeom prst="rect">
+            <a:avLst/>
+          </a:prstGeom>
+          <a:ln w="19050">
+            <a:solidFill>
+              <a:schemeClr val="accent3"/>
+            </a:solidFill>
+          </a:ln>
+          <a:effectLst/>
+        </p:spPr>
+        <p:style>
+          <a:lnRef idx="1">
+            <a:schemeClr val="accent3"/>
+          </a:lnRef>
+          <a:fillRef idx="2">
+            <a:schemeClr val="accent3"/>
+          </a:fillRef>
+          <a:effectRef idx="1">
+            <a:schemeClr val="accent3"/>
+          </a:effectRef>
+          <a:fontRef idx="minor">
+            <a:schemeClr val="dk1"/>
+          </a:fontRef>
+        </p:style>
+        <p:txBody>
+          <a:bodyPr rtlCol="0" anchor="ctr"/>
+          <a:p>
+            <a:pPr algn="ctr"/>
+            <a:r>
+              <a:rPr lang="en-US" sz="1050" b="1" dirty="0" err="1">
+                <a:solidFill>
+                  <a:schemeClr val="accent3">
+                    <a:lumMod val="75000"/>
+                  </a:schemeClr>
+                </a:solidFill>
+              </a:rPr>
+              <a:t>Solution</a:t>
+            </a:r>
+            <a:r>
+              <a:rPr lang="en-US" sz="1050" b="1" dirty="0" err="1">
+                <a:solidFill>
+                  <a:schemeClr val="accent3">
+                    <a:lumMod val="75000"/>
+                  </a:schemeClr>
+                </a:solidFill>
+              </a:rPr>
+              <a:t>ListPanel</a:t>
+            </a:r>
+            <a:endParaRPr lang="en-SG" sz="1050" b="1" dirty="0">
+              <a:solidFill>
+                <a:schemeClr val="accent3">
+                  <a:lumMod val="75000"/>
+                </a:schemeClr>
+              </a:solidFill>
+            </a:endParaRPr>
+          </a:p>
+        </p:txBody>
+      </p:sp>
+      <p:sp>
+        <p:nvSpPr>
+          <p:cNvPr id="12" name="Rectangle 11"/>
+          <p:cNvSpPr/>
+          <p:nvPr/>
+        </p:nvSpPr>
+        <p:spPr>
+          <a:xfrm>
+            <a:off x="4051413" y="4815541"/>
+            <a:ext cx="1040906" cy="236841"/>
+          </a:xfrm>
+          <a:prstGeom prst="rect">
+            <a:avLst/>
+          </a:prstGeom>
+          <a:ln w="19050">
+            <a:solidFill>
+              <a:schemeClr val="accent3"/>
+            </a:solidFill>
+          </a:ln>
+          <a:effectLst/>
+        </p:spPr>
+        <p:style>
+          <a:lnRef idx="1">
+            <a:schemeClr val="accent3"/>
+          </a:lnRef>
+          <a:fillRef idx="2">
+            <a:schemeClr val="accent3"/>
+          </a:fillRef>
+          <a:effectRef idx="1">
+            <a:schemeClr val="accent3"/>
+          </a:effectRef>
+          <a:fontRef idx="minor">
+            <a:schemeClr val="dk1"/>
+          </a:fontRef>
+        </p:style>
+        <p:txBody>
+          <a:bodyPr rtlCol="0" anchor="ctr"/>
+          <a:p>
+            <a:pPr algn="ctr"/>
+            <a:r>
+              <a:rPr lang="en-US" sz="1050" b="1" dirty="0" err="1">
+                <a:solidFill>
+                  <a:schemeClr val="accent3">
+                    <a:lumMod val="75000"/>
+                  </a:schemeClr>
+                </a:solidFill>
+              </a:rPr>
+              <a:t>SolutionCard</a:t>
+            </a:r>
+            <a:endParaRPr lang="en-SG" sz="1050" b="1" dirty="0">
+              <a:solidFill>
+                <a:schemeClr val="accent3">
+                  <a:lumMod val="75000"/>
+                </a:schemeClr>
+              </a:solidFill>
+            </a:endParaRPr>
+          </a:p>
+        </p:txBody>
+      </p:sp>
+      <p:cxnSp>
+        <p:nvCxnSpPr>
+          <p:cNvPr id="13" name="Elbow Connector 136"/>
+          <p:cNvCxnSpPr>
+            <a:stCxn id="11" idx="2"/>
+            <a:endCxn id="12" idx="1"/>
+          </p:cNvCxnSpPr>
+          <p:nvPr/>
+        </p:nvCxnSpPr>
+        <p:spPr>
+          <a:xfrm rot="5400000" flipV="1">
+            <a:off x="3551555" y="4434840"/>
+            <a:ext cx="165100" cy="834390"/>
+          </a:xfrm>
+          <a:prstGeom prst="bentConnector2">
+            <a:avLst/>
+          </a:prstGeom>
+          <a:ln w="19050">
+            <a:solidFill>
+              <a:schemeClr val="accent3"/>
+            </a:solidFill>
+            <a:headEnd type="none" w="med" len="med"/>
+            <a:tailEnd type="arrow" w="med" len="med"/>
+          </a:ln>
+          <a:effectLst/>
+        </p:spPr>
+        <p:style>
+          <a:lnRef idx="1">
+            <a:schemeClr val="accent2"/>
+          </a:lnRef>
+          <a:fillRef idx="2">
+            <a:schemeClr val="accent2"/>
+          </a:fillRef>
+          <a:effectRef idx="1">
+            <a:schemeClr val="accent2"/>
+          </a:effectRef>
+          <a:fontRef idx="minor">
+            <a:schemeClr val="dk1"/>
+          </a:fontRef>
+        </p:style>
+      </p:cxnSp>
+      <p:sp>
+        <p:nvSpPr>
+          <p:cNvPr id="14" name="Freeform 117"/>
+          <p:cNvSpPr/>
+          <p:nvPr/>
+        </p:nvSpPr>
+        <p:spPr>
+          <a:xfrm flipV="1">
+            <a:off x="4462780" y="5052695"/>
+            <a:ext cx="2294890" cy="97790"/>
+          </a:xfrm>
+          <a:custGeom>
+            <a:avLst/>
+            <a:gdLst>
+              <a:gd name="connsiteX0" fmla="*/ 0 w 3048000"/>
+              <a:gd name="connsiteY0" fmla="*/ 203200 h 203200"/>
+              <a:gd name="connsiteX1" fmla="*/ 221673 w 3048000"/>
+              <a:gd name="connsiteY1" fmla="*/ 0 h 203200"/>
+              <a:gd name="connsiteX2" fmla="*/ 3048000 w 3048000"/>
+              <a:gd name="connsiteY2" fmla="*/ 0 h 203200"/>
+            </a:gdLst>
+            <a:ahLst/>
+            <a:cxnLst>
+              <a:cxn ang="0">
+                <a:pos x="connsiteX0" y="connsiteY0"/>
+              </a:cxn>
+              <a:cxn ang="0">
+                <a:pos x="connsiteX1" y="connsiteY1"/>
+              </a:cxn>
+              <a:cxn ang="0">
+                <a:pos x="connsiteX2" y="connsiteY2"/>
+              </a:cxn>
+            </a:cxnLst>
+            <a:rect l="l" t="t" r="r" b="b"/>
+            <a:pathLst>
+              <a:path w="3048000" h="203200">
+                <a:moveTo>
+                  <a:pt x="0" y="203200"/>
+                </a:moveTo>
+                <a:lnTo>
+                  <a:pt x="221673" y="0"/>
+                </a:lnTo>
+                <a:lnTo>
+                  <a:pt x="3048000" y="0"/>
+                </a:lnTo>
+              </a:path>
+            </a:pathLst>
+          </a:custGeom>
+          <a:noFill/>
+          <a:ln w="19050">
+            <a:solidFill>
+              <a:schemeClr val="accent3"/>
+            </a:solidFill>
+            <a:prstDash val="sysDot"/>
+            <a:headEnd type="none" w="med" len="med"/>
+            <a:tailEnd type="arrow" w="med" len="med"/>
+          </a:ln>
+          <a:effectLst/>
+        </p:spPr>
+        <p:style>
+          <a:lnRef idx="1">
+            <a:schemeClr val="accent2"/>
+          </a:lnRef>
+          <a:fillRef idx="2">
+            <a:schemeClr val="accent2"/>
+          </a:fillRef>
+          <a:effectRef idx="1">
+            <a:schemeClr val="accent2"/>
+          </a:effectRef>
+          <a:fontRef idx="minor">
+            <a:schemeClr val="dk1"/>
+          </a:fontRef>
+        </p:style>
+        <p:txBody>
+          <a:bodyPr rtlCol="0" anchor="ctr"/>
+          <a:p>
+            <a:pPr algn="ctr"/>
+            <a:endParaRPr lang="en-SG"/>
+          </a:p>
+        </p:txBody>
+      </p:sp>
     </p:spTree>
-    <p:extLst>
-      <p:ext uri="{BB962C8B-B14F-4D97-AF65-F5344CB8AC3E}">
-        <p14:creationId xmlns:p14="http://schemas.microsoft.com/office/powerpoint/2010/main" val="2776882492"/>
-      </p:ext>
-    </p:extLst>
   </p:cSld>
   <p:clrMapOvr>
     <a:masterClrMapping/>
@@ -5802,8 +6052,11 @@
       </a:bgFillStyleLst>
     </a:fmtScheme>
   </a:themeElements>
-  <a:objectDefaults/>
-  <a:extraClrSchemeLst/>
+  <a:extLst>
+    <a:ext uri="{05A4C25C-085E-4340-85A3-A5531E510DB2}">
+      <thm15:themeFamily xmlns:thm15="http://schemas.microsoft.com/office/thememl/2012/main" name="Office Theme" id="{62F939B6-93AF-4DB8-9C6B-D6C7DFDC589F}" vid="{4A3C46E8-61CC-4603-A589-7422A47A8E4A}"/>
+    </a:ext>
+  </a:extLst>
 </a:theme>
 </file>
 
@@ -6087,7 +6340,10 @@
       </a:bgFillStyleLst>
     </a:fmtScheme>
   </a:themeElements>
-  <a:objectDefaults/>
-  <a:extraClrSchemeLst/>
+  <a:extLst>
+    <a:ext uri="{05A4C25C-085E-4340-85A3-A5531E510DB2}">
+      <thm15:themeFamily xmlns:thm15="http://schemas.microsoft.com/office/thememl/2012/main" name="Office Theme" id="{62F939B6-93AF-4DB8-9C6B-D6C7DFDC589F}" vid="{4A3C46E8-61CC-4603-A589-7422A47A8E4A}"/>
+    </a:ext>
+  </a:extLst>
 </a:theme>
 </file>